--- a/Project4/Project4-Lena.pptx
+++ b/Project4/Project4-Lena.pptx
@@ -12,11 +12,11 @@
     <p:sldId id="257" r:id="rId3"/>
     <p:sldId id="263" r:id="rId4"/>
     <p:sldId id="264" r:id="rId5"/>
-    <p:sldId id="265" r:id="rId6"/>
-    <p:sldId id="266" r:id="rId7"/>
-    <p:sldId id="262" r:id="rId8"/>
-    <p:sldId id="261" r:id="rId9"/>
-    <p:sldId id="260" r:id="rId10"/>
+    <p:sldId id="262" r:id="rId6"/>
+    <p:sldId id="261" r:id="rId7"/>
+    <p:sldId id="260" r:id="rId8"/>
+    <p:sldId id="265" r:id="rId9"/>
+    <p:sldId id="266" r:id="rId10"/>
   </p:sldIdLst>
   <p:sldSz cx="12192000" cy="6858000"/>
   <p:notesSz cx="6858000" cy="9144000"/>
@@ -1237,7 +1237,17 @@
   <c:chart>
     <c:autoTitleDeleted val="1"/>
     <c:plotArea>
-      <c:layout/>
+      <c:layout>
+        <c:manualLayout>
+          <c:layoutTarget val="inner"/>
+          <c:xMode val="edge"/>
+          <c:yMode val="edge"/>
+          <c:x val="0.11169562007874016"/>
+          <c:y val="4.3670210491070491E-2"/>
+          <c:w val="0.86955437992125983"/>
+          <c:h val="0.83289660611429928"/>
+        </c:manualLayout>
+      </c:layout>
       <c:lineChart>
         <c:grouping val="standard"/>
         <c:varyColors val="0"/>
@@ -1340,35 +1350,41 @@
           </c:dLbls>
           <c:cat>
             <c:strRef>
-              <c:f>Sayfa1!$A$2:$A$4</c:f>
+              <c:f>Sayfa1!$A$2:$A$5</c:f>
               <c:strCache>
-                <c:ptCount val="3"/>
+                <c:ptCount val="4"/>
                 <c:pt idx="0">
-                  <c:v>8x8</c:v>
+                  <c:v>Serial</c:v>
                 </c:pt>
                 <c:pt idx="1">
-                  <c:v>16x16</c:v>
+                  <c:v>CUDA-8x8</c:v>
                 </c:pt>
                 <c:pt idx="2">
-                  <c:v>32x32</c:v>
+                  <c:v>CUDA-16x16</c:v>
+                </c:pt>
+                <c:pt idx="3">
+                  <c:v>CUDA-32x32</c:v>
                 </c:pt>
               </c:strCache>
             </c:strRef>
           </c:cat>
           <c:val>
             <c:numRef>
-              <c:f>Sayfa1!$B$2:$B$4</c:f>
+              <c:f>Sayfa1!$B$2:$B$5</c:f>
               <c:numCache>
                 <c:formatCode>General</c:formatCode>
-                <c:ptCount val="3"/>
+                <c:ptCount val="4"/>
                 <c:pt idx="0">
-                  <c:v>4.3</c:v>
+                  <c:v>2.7146E-2</c:v>
                 </c:pt>
                 <c:pt idx="1">
-                  <c:v>2.5</c:v>
+                  <c:v>2.33E-4</c:v>
                 </c:pt>
                 <c:pt idx="2">
-                  <c:v>3.5</c:v>
+                  <c:v>1.7699999999999999E-4</c:v>
+                </c:pt>
+                <c:pt idx="3">
+                  <c:v>2.41E-4</c:v>
                 </c:pt>
               </c:numCache>
             </c:numRef>
@@ -1501,45 +1517,6 @@
         <c:crosses val="autoZero"/>
         <c:crossBetween val="between"/>
       </c:valAx>
-      <c:dTable>
-        <c:showHorzBorder val="1"/>
-        <c:showVertBorder val="1"/>
-        <c:showOutline val="1"/>
-        <c:showKeys val="1"/>
-        <c:spPr>
-          <a:noFill/>
-          <a:ln w="9525" cap="flat" cmpd="sng" algn="ctr">
-            <a:solidFill>
-              <a:schemeClr val="tx1">
-                <a:lumMod val="15000"/>
-                <a:lumOff val="85000"/>
-              </a:schemeClr>
-            </a:solidFill>
-            <a:round/>
-          </a:ln>
-          <a:effectLst/>
-        </c:spPr>
-        <c:txPr>
-          <a:bodyPr rot="0" spcFirstLastPara="1" vertOverflow="ellipsis" vert="horz" wrap="square" anchor="ctr" anchorCtr="1"/>
-          <a:lstStyle/>
-          <a:p>
-            <a:pPr rtl="0">
-              <a:defRPr sz="1197" b="0" i="0" u="none" strike="noStrike" kern="1200" baseline="0">
-                <a:solidFill>
-                  <a:schemeClr val="tx1">
-                    <a:lumMod val="65000"/>
-                    <a:lumOff val="35000"/>
-                  </a:schemeClr>
-                </a:solidFill>
-                <a:latin typeface="+mn-lt"/>
-                <a:ea typeface="+mn-ea"/>
-                <a:cs typeface="+mn-cs"/>
-              </a:defRPr>
-            </a:pPr>
-            <a:endParaRPr lang="en-US"/>
-          </a:p>
-        </c:txPr>
-      </c:dTable>
       <c:spPr>
         <a:noFill/>
         <a:ln>
@@ -3829,7 +3806,7 @@
           <a:p>
             <a:fld id="{A6A6DAFA-B29C-4D69-8320-55DB4F2C1632}" type="datetimeFigureOut">
               <a:rPr lang="tr-TR" smtClean="0"/>
-              <a:t>3.05.2025</a:t>
+              <a:t>6.05.2025</a:t>
             </a:fld>
             <a:endParaRPr lang="tr-TR" dirty="0"/>
           </a:p>
@@ -4141,7 +4118,7 @@
           <a:bodyPr/>
           <a:lstStyle/>
           <a:p>
-            <a:endParaRPr lang="tr-TR"/>
+            <a:endParaRPr lang="tr-TR" dirty="0"/>
           </a:p>
         </p:txBody>
       </p:sp>
@@ -8463,7 +8440,7 @@
           <a:p>
             <a:fld id="{23A2EE42-8222-486F-A514-5A23D68216E1}" type="datetimeFigureOut">
               <a:rPr lang="tr-TR" smtClean="0"/>
-              <a:t>3.05.2025</a:t>
+              <a:t>6.05.2025</a:t>
             </a:fld>
             <a:endParaRPr lang="tr-TR" dirty="0"/>
           </a:p>
@@ -8730,7 +8707,7 @@
           <a:p>
             <a:fld id="{23A2EE42-8222-486F-A514-5A23D68216E1}" type="datetimeFigureOut">
               <a:rPr lang="tr-TR" smtClean="0"/>
-              <a:t>3.05.2025</a:t>
+              <a:t>6.05.2025</a:t>
             </a:fld>
             <a:endParaRPr lang="tr-TR" dirty="0"/>
           </a:p>
@@ -8926,7 +8903,7 @@
           <a:p>
             <a:fld id="{23A2EE42-8222-486F-A514-5A23D68216E1}" type="datetimeFigureOut">
               <a:rPr lang="tr-TR" smtClean="0"/>
-              <a:t>3.05.2025</a:t>
+              <a:t>6.05.2025</a:t>
             </a:fld>
             <a:endParaRPr lang="tr-TR" dirty="0"/>
           </a:p>
@@ -9189,7 +9166,7 @@
           <a:p>
             <a:fld id="{23A2EE42-8222-486F-A514-5A23D68216E1}" type="datetimeFigureOut">
               <a:rPr lang="tr-TR" smtClean="0"/>
-              <a:t>3.05.2025</a:t>
+              <a:t>6.05.2025</a:t>
             </a:fld>
             <a:endParaRPr lang="tr-TR" dirty="0"/>
           </a:p>
@@ -9623,7 +9600,7 @@
           <a:p>
             <a:fld id="{23A2EE42-8222-486F-A514-5A23D68216E1}" type="datetimeFigureOut">
               <a:rPr lang="tr-TR" smtClean="0"/>
-              <a:t>3.05.2025</a:t>
+              <a:t>6.05.2025</a:t>
             </a:fld>
             <a:endParaRPr lang="tr-TR" dirty="0"/>
           </a:p>
@@ -10169,7 +10146,7 @@
           <a:p>
             <a:fld id="{23A2EE42-8222-486F-A514-5A23D68216E1}" type="datetimeFigureOut">
               <a:rPr lang="tr-TR" smtClean="0"/>
-              <a:t>3.05.2025</a:t>
+              <a:t>6.05.2025</a:t>
             </a:fld>
             <a:endParaRPr lang="tr-TR" dirty="0"/>
           </a:p>
@@ -10889,7 +10866,7 @@
           <a:p>
             <a:fld id="{23A2EE42-8222-486F-A514-5A23D68216E1}" type="datetimeFigureOut">
               <a:rPr lang="tr-TR" smtClean="0"/>
-              <a:t>3.05.2025</a:t>
+              <a:t>6.05.2025</a:t>
             </a:fld>
             <a:endParaRPr lang="tr-TR" dirty="0"/>
           </a:p>
@@ -11059,7 +11036,7 @@
           <a:p>
             <a:fld id="{23A2EE42-8222-486F-A514-5A23D68216E1}" type="datetimeFigureOut">
               <a:rPr lang="tr-TR" smtClean="0"/>
-              <a:t>3.05.2025</a:t>
+              <a:t>6.05.2025</a:t>
             </a:fld>
             <a:endParaRPr lang="tr-TR" dirty="0"/>
           </a:p>
@@ -11239,7 +11216,7 @@
           <a:p>
             <a:fld id="{23A2EE42-8222-486F-A514-5A23D68216E1}" type="datetimeFigureOut">
               <a:rPr lang="tr-TR" smtClean="0"/>
-              <a:t>3.05.2025</a:t>
+              <a:t>6.05.2025</a:t>
             </a:fld>
             <a:endParaRPr lang="tr-TR" dirty="0"/>
           </a:p>
@@ -11409,7 +11386,7 @@
           <a:p>
             <a:fld id="{23A2EE42-8222-486F-A514-5A23D68216E1}" type="datetimeFigureOut">
               <a:rPr lang="tr-TR" smtClean="0"/>
-              <a:t>3.05.2025</a:t>
+              <a:t>6.05.2025</a:t>
             </a:fld>
             <a:endParaRPr lang="tr-TR" dirty="0"/>
           </a:p>
@@ -11659,7 +11636,7 @@
           <a:p>
             <a:fld id="{23A2EE42-8222-486F-A514-5A23D68216E1}" type="datetimeFigureOut">
               <a:rPr lang="tr-TR" smtClean="0"/>
-              <a:t>3.05.2025</a:t>
+              <a:t>6.05.2025</a:t>
             </a:fld>
             <a:endParaRPr lang="tr-TR" dirty="0"/>
           </a:p>
@@ -11891,7 +11868,7 @@
           <a:p>
             <a:fld id="{23A2EE42-8222-486F-A514-5A23D68216E1}" type="datetimeFigureOut">
               <a:rPr lang="tr-TR" smtClean="0"/>
-              <a:t>3.05.2025</a:t>
+              <a:t>6.05.2025</a:t>
             </a:fld>
             <a:endParaRPr lang="tr-TR" dirty="0"/>
           </a:p>
@@ -12272,7 +12249,7 @@
           <a:p>
             <a:fld id="{23A2EE42-8222-486F-A514-5A23D68216E1}" type="datetimeFigureOut">
               <a:rPr lang="tr-TR" smtClean="0"/>
-              <a:t>3.05.2025</a:t>
+              <a:t>6.05.2025</a:t>
             </a:fld>
             <a:endParaRPr lang="tr-TR" dirty="0"/>
           </a:p>
@@ -12390,7 +12367,7 @@
           <a:p>
             <a:fld id="{23A2EE42-8222-486F-A514-5A23D68216E1}" type="datetimeFigureOut">
               <a:rPr lang="tr-TR" smtClean="0"/>
-              <a:t>3.05.2025</a:t>
+              <a:t>6.05.2025</a:t>
             </a:fld>
             <a:endParaRPr lang="tr-TR" dirty="0"/>
           </a:p>
@@ -12485,7 +12462,7 @@
           <a:p>
             <a:fld id="{23A2EE42-8222-486F-A514-5A23D68216E1}" type="datetimeFigureOut">
               <a:rPr lang="tr-TR" smtClean="0"/>
-              <a:t>3.05.2025</a:t>
+              <a:t>6.05.2025</a:t>
             </a:fld>
             <a:endParaRPr lang="tr-TR" dirty="0"/>
           </a:p>
@@ -12734,7 +12711,7 @@
           <a:p>
             <a:fld id="{23A2EE42-8222-486F-A514-5A23D68216E1}" type="datetimeFigureOut">
               <a:rPr lang="tr-TR" smtClean="0"/>
-              <a:t>3.05.2025</a:t>
+              <a:t>6.05.2025</a:t>
             </a:fld>
             <a:endParaRPr lang="tr-TR" dirty="0"/>
           </a:p>
@@ -13014,7 +12991,7 @@
           <a:p>
             <a:fld id="{23A2EE42-8222-486F-A514-5A23D68216E1}" type="datetimeFigureOut">
               <a:rPr lang="tr-TR" smtClean="0"/>
-              <a:t>3.05.2025</a:t>
+              <a:t>6.05.2025</a:t>
             </a:fld>
             <a:endParaRPr lang="tr-TR" dirty="0"/>
           </a:p>
@@ -16081,7 +16058,7 @@
           <a:p>
             <a:fld id="{23A2EE42-8222-486F-A514-5A23D68216E1}" type="datetimeFigureOut">
               <a:rPr lang="tr-TR" smtClean="0"/>
-              <a:t>3.05.2025</a:t>
+              <a:t>6.05.2025</a:t>
             </a:fld>
             <a:endParaRPr lang="tr-TR" dirty="0"/>
           </a:p>
@@ -16523,7 +16500,7 @@
               <a:t>Parellel programmıng test </a:t>
             </a:r>
             <a:r>
-              <a:rPr lang="tr-TR" dirty="0" err="1" smtClean="0"/>
+              <a:rPr lang="tr-TR" dirty="0" smtClean="0"/>
               <a:t>results</a:t>
             </a:r>
             <a:r>
@@ -16534,7 +16511,7 @@
               <a:rPr lang="tr-TR" dirty="0" smtClean="0"/>
             </a:br>
             <a:r>
-              <a:rPr lang="tr-TR" dirty="0" err="1" smtClean="0">
+              <a:rPr lang="tr-TR" dirty="0" smtClean="0">
                 <a:solidFill>
                   <a:srgbClr val="FF0000"/>
                 </a:solidFill>
@@ -16550,7 +16527,7 @@
               <a:t> vs. </a:t>
             </a:r>
             <a:r>
-              <a:rPr lang="tr-TR" dirty="0" err="1" smtClean="0">
+              <a:rPr lang="tr-TR" dirty="0" smtClean="0">
                 <a:solidFill>
                   <a:srgbClr val="FF0000"/>
                 </a:solidFill>
@@ -16566,7 +16543,7 @@
               <a:t> VS. </a:t>
             </a:r>
             <a:r>
-              <a:rPr lang="tr-TR" dirty="0" err="1" smtClean="0">
+              <a:rPr lang="tr-TR" dirty="0" smtClean="0">
                 <a:solidFill>
                   <a:srgbClr val="FF0000"/>
                 </a:solidFill>
@@ -16615,7 +16592,7 @@
               <a:t>-12 threads (hyper </a:t>
             </a:r>
             <a:r>
-              <a:rPr lang="tr-TR" dirty="0" err="1" smtClean="0"/>
+              <a:rPr lang="tr-TR" dirty="0" smtClean="0"/>
               <a:t>threadıng</a:t>
             </a:r>
             <a:r>
@@ -16629,7 +16606,7 @@
               <a:t>-</a:t>
             </a:r>
             <a:r>
-              <a:rPr lang="tr-TR" dirty="0" err="1" smtClean="0"/>
+              <a:rPr lang="tr-TR" dirty="0" smtClean="0"/>
               <a:t>nvıdıa</a:t>
             </a:r>
             <a:r>
@@ -16637,7 +16614,7 @@
               <a:t> </a:t>
             </a:r>
             <a:r>
-              <a:rPr lang="tr-TR" dirty="0" err="1" smtClean="0"/>
+              <a:rPr lang="tr-TR" dirty="0" smtClean="0"/>
               <a:t>geforce</a:t>
             </a:r>
             <a:r>
@@ -16645,7 +16622,7 @@
               <a:t> </a:t>
             </a:r>
             <a:r>
-              <a:rPr lang="tr-TR" dirty="0" err="1" smtClean="0"/>
+              <a:rPr lang="tr-TR" dirty="0" smtClean="0"/>
               <a:t>gtx</a:t>
             </a:r>
             <a:r>
@@ -16731,7 +16708,7 @@
           <a:lstStyle/>
           <a:p>
             <a:r>
-              <a:rPr lang="tr-TR" dirty="0" err="1" smtClean="0">
+              <a:rPr lang="tr-TR" dirty="0" smtClean="0">
                 <a:solidFill>
                   <a:srgbClr val="FF0000"/>
                 </a:solidFill>
@@ -16884,7 +16861,7 @@
           <a:lstStyle/>
           <a:p>
             <a:r>
-              <a:rPr lang="tr-TR" dirty="0" err="1" smtClean="0">
+              <a:rPr lang="tr-TR" dirty="0" smtClean="0">
                 <a:solidFill>
                   <a:srgbClr val="FF0000"/>
                 </a:solidFill>
@@ -16944,7 +16921,7 @@
               <a:t>%61 </a:t>
             </a:r>
             <a:r>
-              <a:rPr lang="tr-TR" dirty="0" err="1" smtClean="0"/>
+              <a:rPr lang="tr-TR" dirty="0" smtClean="0"/>
               <a:t>faster</a:t>
             </a:r>
             <a:endParaRPr lang="tr-TR" dirty="0"/>
@@ -17051,7 +17028,7 @@
           <a:lstStyle/>
           <a:p>
             <a:r>
-              <a:rPr lang="tr-TR" dirty="0" err="1" smtClean="0">
+              <a:rPr lang="tr-TR" dirty="0" smtClean="0">
                 <a:solidFill>
                   <a:srgbClr val="FF0000"/>
                 </a:solidFill>
@@ -17119,7 +17096,7 @@
               <a:t>#pragma </a:t>
             </a:r>
             <a:r>
-              <a:rPr lang="tr-TR" dirty="0" err="1">
+              <a:rPr lang="tr-TR" dirty="0">
                 <a:solidFill>
                   <a:schemeClr val="accent1"/>
                 </a:solidFill>
@@ -17135,7 +17112,7 @@
               <a:t> </a:t>
             </a:r>
             <a:r>
-              <a:rPr lang="tr-TR" dirty="0" err="1" smtClean="0">
+              <a:rPr lang="tr-TR" dirty="0" smtClean="0">
                 <a:solidFill>
                   <a:schemeClr val="accent1"/>
                 </a:solidFill>
@@ -17151,7 +17128,7 @@
               <a:t> </a:t>
             </a:r>
             <a:r>
-              <a:rPr lang="tr-TR" dirty="0" err="1" smtClean="0">
+              <a:rPr lang="tr-TR" dirty="0" smtClean="0">
                 <a:solidFill>
                   <a:schemeClr val="accent1"/>
                 </a:solidFill>
@@ -17180,287 +17157,6 @@
 </file>
 
 <file path=ppt/slides/slide5.xml><?xml version="1.0" encoding="utf-8"?>
-<p:sld xmlns:a="http://schemas.openxmlformats.org/drawingml/2006/main" xmlns:r="http://schemas.openxmlformats.org/officeDocument/2006/relationships" xmlns:p="http://schemas.openxmlformats.org/presentationml/2006/main">
-  <p:cSld>
-    <p:spTree>
-      <p:nvGrpSpPr>
-        <p:cNvPr id="1" name=""/>
-        <p:cNvGrpSpPr/>
-        <p:nvPr/>
-      </p:nvGrpSpPr>
-      <p:grpSpPr>
-        <a:xfrm>
-          <a:off x="0" y="0"/>
-          <a:ext cx="0" cy="0"/>
-          <a:chOff x="0" y="0"/>
-          <a:chExt cx="0" cy="0"/>
-        </a:xfrm>
-      </p:grpSpPr>
-      <p:sp>
-        <p:nvSpPr>
-          <p:cNvPr id="2" name="Unvan 1"/>
-          <p:cNvSpPr>
-            <a:spLocks noGrp="1"/>
-          </p:cNvSpPr>
-          <p:nvPr>
-            <p:ph type="title"/>
-          </p:nvPr>
-        </p:nvSpPr>
-        <p:spPr/>
-        <p:txBody>
-          <a:bodyPr/>
-          <a:lstStyle/>
-          <a:p>
-            <a:r>
-              <a:rPr lang="tr-TR" dirty="0" smtClean="0">
-                <a:solidFill>
-                  <a:srgbClr val="FF0000"/>
-                </a:solidFill>
-              </a:rPr>
-              <a:t>CUDA</a:t>
-            </a:r>
-            <a:endParaRPr lang="en-US" dirty="0">
-              <a:solidFill>
-                <a:srgbClr val="FF0000"/>
-              </a:solidFill>
-            </a:endParaRPr>
-          </a:p>
-        </p:txBody>
-      </p:sp>
-      <p:graphicFrame>
-        <p:nvGraphicFramePr>
-          <p:cNvPr id="5" name="Grafik 4"/>
-          <p:cNvGraphicFramePr/>
-          <p:nvPr>
-            <p:extLst>
-              <p:ext uri="{D42A27DB-BD31-4B8C-83A1-F6EECF244321}">
-                <p14:modId xmlns:p14="http://schemas.microsoft.com/office/powerpoint/2010/main" val="3400908023"/>
-              </p:ext>
-            </p:extLst>
-          </p:nvPr>
-        </p:nvGraphicFramePr>
-        <p:xfrm>
-          <a:off x="2032000" y="1625600"/>
-          <a:ext cx="8128000" cy="4512733"/>
-        </p:xfrm>
-        <a:graphic>
-          <a:graphicData uri="http://schemas.openxmlformats.org/drawingml/2006/chart">
-            <c:chart xmlns:c="http://schemas.openxmlformats.org/drawingml/2006/chart" xmlns:r="http://schemas.openxmlformats.org/officeDocument/2006/relationships" r:id="rId2"/>
-          </a:graphicData>
-        </a:graphic>
-      </p:graphicFrame>
-    </p:spTree>
-    <p:extLst>
-      <p:ext uri="{BB962C8B-B14F-4D97-AF65-F5344CB8AC3E}">
-        <p14:creationId xmlns:p14="http://schemas.microsoft.com/office/powerpoint/2010/main" val="2768904373"/>
-      </p:ext>
-    </p:extLst>
-  </p:cSld>
-  <p:clrMapOvr>
-    <a:masterClrMapping/>
-  </p:clrMapOvr>
-</p:sld>
-</file>
-
-<file path=ppt/slides/slide6.xml><?xml version="1.0" encoding="utf-8"?>
-<p:sld xmlns:a="http://schemas.openxmlformats.org/drawingml/2006/main" xmlns:r="http://schemas.openxmlformats.org/officeDocument/2006/relationships" xmlns:p="http://schemas.openxmlformats.org/presentationml/2006/main">
-  <p:cSld>
-    <p:spTree>
-      <p:nvGrpSpPr>
-        <p:cNvPr id="1" name=""/>
-        <p:cNvGrpSpPr/>
-        <p:nvPr/>
-      </p:nvGrpSpPr>
-      <p:grpSpPr>
-        <a:xfrm>
-          <a:off x="0" y="0"/>
-          <a:ext cx="0" cy="0"/>
-          <a:chOff x="0" y="0"/>
-          <a:chExt cx="0" cy="0"/>
-        </a:xfrm>
-      </p:grpSpPr>
-      <p:sp>
-        <p:nvSpPr>
-          <p:cNvPr id="4" name="İçerik Yer Tutucusu 3"/>
-          <p:cNvSpPr>
-            <a:spLocks noGrp="1"/>
-          </p:cNvSpPr>
-          <p:nvPr>
-            <p:ph idx="1"/>
-          </p:nvPr>
-        </p:nvSpPr>
-        <p:spPr>
-          <a:xfrm>
-            <a:off x="1141412" y="554182"/>
-            <a:ext cx="9905999" cy="5717309"/>
-          </a:xfrm>
-        </p:spPr>
-        <p:txBody>
-          <a:bodyPr>
-            <a:normAutofit fontScale="70000" lnSpcReduction="20000"/>
-          </a:bodyPr>
-          <a:lstStyle/>
-          <a:p>
-            <a:pPr marL="0" indent="0">
-              <a:buNone/>
-            </a:pPr>
-            <a:r>
-              <a:rPr lang="en-US" b="1" dirty="0" smtClean="0">
-                <a:solidFill>
-                  <a:srgbClr val="FF0000"/>
-                </a:solidFill>
-              </a:rPr>
-              <a:t>Block </a:t>
-            </a:r>
-            <a:r>
-              <a:rPr lang="en-US" b="1" dirty="0">
-                <a:solidFill>
-                  <a:srgbClr val="FF0000"/>
-                </a:solidFill>
-              </a:rPr>
-              <a:t>Size</a:t>
-            </a:r>
-          </a:p>
-          <a:p>
-            <a:pPr marL="0" indent="0">
-              <a:buNone/>
-            </a:pPr>
-            <a:r>
-              <a:rPr lang="en-US" dirty="0"/>
-              <a:t>Each </a:t>
-            </a:r>
-            <a:r>
-              <a:rPr lang="en-US" b="1" dirty="0"/>
-              <a:t>block</a:t>
-            </a:r>
-            <a:r>
-              <a:rPr lang="en-US" dirty="0"/>
-              <a:t> in CUDA is a collection of threads. For optimal performance, you typically want to match the block size to the underlying hardware architecture’s warp size. A </a:t>
-            </a:r>
-            <a:r>
-              <a:rPr lang="en-US" b="1" dirty="0"/>
-              <a:t>warp</a:t>
-            </a:r>
-            <a:r>
-              <a:rPr lang="en-US" dirty="0"/>
-              <a:t> is a group of 32 threads that execute together on a single SIMD unit, so block sizes that are multiples of 32 often perform better.</a:t>
-            </a:r>
-          </a:p>
-          <a:p>
-            <a:pPr marL="0" indent="0">
-              <a:buNone/>
-            </a:pPr>
-            <a:r>
-              <a:rPr lang="en-US" dirty="0"/>
-              <a:t>Some commonly used block sizes are:</a:t>
-            </a:r>
-          </a:p>
-          <a:p>
-            <a:r>
-              <a:rPr lang="en-US" b="1" dirty="0"/>
-              <a:t>16x16</a:t>
-            </a:r>
-            <a:r>
-              <a:rPr lang="en-US" dirty="0"/>
-              <a:t> (256 threads per block)</a:t>
-            </a:r>
-          </a:p>
-          <a:p>
-            <a:r>
-              <a:rPr lang="en-US" b="1" dirty="0"/>
-              <a:t>32x32</a:t>
-            </a:r>
-            <a:r>
-              <a:rPr lang="en-US" dirty="0"/>
-              <a:t> (1024 threads per block)</a:t>
-            </a:r>
-          </a:p>
-          <a:p>
-            <a:r>
-              <a:rPr lang="en-US" b="1" dirty="0"/>
-              <a:t>8x8</a:t>
-            </a:r>
-            <a:r>
-              <a:rPr lang="en-US" dirty="0"/>
-              <a:t> (64 threads per block)</a:t>
-            </a:r>
-          </a:p>
-          <a:p>
-            <a:r>
-              <a:rPr lang="en-US" b="1" dirty="0"/>
-              <a:t>32x16</a:t>
-            </a:r>
-            <a:r>
-              <a:rPr lang="en-US" dirty="0"/>
-              <a:t> (512 threads per block)</a:t>
-            </a:r>
-          </a:p>
-          <a:p>
-            <a:pPr marL="0" indent="0">
-              <a:buNone/>
-            </a:pPr>
-            <a:r>
-              <a:rPr lang="en-US" b="1" dirty="0" smtClean="0">
-                <a:solidFill>
-                  <a:srgbClr val="FF0000"/>
-                </a:solidFill>
-              </a:rPr>
-              <a:t> </a:t>
-            </a:r>
-            <a:r>
-              <a:rPr lang="en-US" b="1" dirty="0">
-                <a:solidFill>
-                  <a:srgbClr val="FF0000"/>
-                </a:solidFill>
-              </a:rPr>
-              <a:t>Grid Size</a:t>
-            </a:r>
-          </a:p>
-          <a:p>
-            <a:pPr marL="0" indent="0">
-              <a:buNone/>
-            </a:pPr>
-            <a:r>
-              <a:rPr lang="en-US" dirty="0"/>
-              <a:t>The </a:t>
-            </a:r>
-            <a:r>
-              <a:rPr lang="en-US" b="1" dirty="0"/>
-              <a:t>grid size</a:t>
-            </a:r>
-            <a:r>
-              <a:rPr lang="en-US" dirty="0"/>
-              <a:t> specifies how many blocks will be launched to execute the kernel. It’s based on the image size and block size.</a:t>
-            </a:r>
-          </a:p>
-          <a:p>
-            <a:pPr marL="0" indent="0">
-              <a:buNone/>
-            </a:pPr>
-            <a:r>
-              <a:rPr lang="en-US" dirty="0"/>
-              <a:t>You want to ensure that the grid size is large enough to cover the entire dataset. The grid size is typically determined by the image or problem dimensions, but it should also be adjusted based on the block size.</a:t>
-            </a:r>
-          </a:p>
-          <a:p>
-            <a:endParaRPr lang="en-US" dirty="0"/>
-          </a:p>
-        </p:txBody>
-      </p:sp>
-    </p:spTree>
-    <p:extLst>
-      <p:ext uri="{BB962C8B-B14F-4D97-AF65-F5344CB8AC3E}">
-        <p14:creationId xmlns:p14="http://schemas.microsoft.com/office/powerpoint/2010/main" val="3777883169"/>
-      </p:ext>
-    </p:extLst>
-  </p:cSld>
-  <p:clrMapOvr>
-    <a:masterClrMapping/>
-  </p:clrMapOvr>
-</p:sld>
-</file>
-
-<file path=ppt/slides/slide7.xml><?xml version="1.0" encoding="utf-8"?>
 <p:sld xmlns:a="http://schemas.openxmlformats.org/drawingml/2006/main" xmlns:r="http://schemas.openxmlformats.org/officeDocument/2006/relationships" xmlns:p="http://schemas.openxmlformats.org/presentationml/2006/main">
   <p:cSld>
     <p:spTree>
@@ -17557,7 +17253,7 @@
 </p:sld>
 </file>
 
-<file path=ppt/slides/slide8.xml><?xml version="1.0" encoding="utf-8"?>
+<file path=ppt/slides/slide6.xml><?xml version="1.0" encoding="utf-8"?>
 <p:sld xmlns:a="http://schemas.openxmlformats.org/drawingml/2006/main" xmlns:r="http://schemas.openxmlformats.org/officeDocument/2006/relationships" xmlns:p="http://schemas.openxmlformats.org/presentationml/2006/main">
   <p:cSld>
     <p:spTree>
@@ -17836,7 +17532,7 @@
 </p:sld>
 </file>
 
-<file path=ppt/slides/slide9.xml><?xml version="1.0" encoding="utf-8"?>
+<file path=ppt/slides/slide7.xml><?xml version="1.0" encoding="utf-8"?>
 <p:sld xmlns:a="http://schemas.openxmlformats.org/drawingml/2006/main" xmlns:r="http://schemas.openxmlformats.org/officeDocument/2006/relationships" xmlns:p="http://schemas.openxmlformats.org/presentationml/2006/main">
   <p:cSld>
     <p:spTree>
@@ -17948,6 +17644,472 @@
       </p:par>
     </p:tnLst>
   </p:timing>
+</p:sld>
+</file>
+
+<file path=ppt/slides/slide8.xml><?xml version="1.0" encoding="utf-8"?>
+<p:sld xmlns:a="http://schemas.openxmlformats.org/drawingml/2006/main" xmlns:r="http://schemas.openxmlformats.org/officeDocument/2006/relationships" xmlns:p="http://schemas.openxmlformats.org/presentationml/2006/main">
+  <p:cSld>
+    <p:spTree>
+      <p:nvGrpSpPr>
+        <p:cNvPr id="1" name=""/>
+        <p:cNvGrpSpPr/>
+        <p:nvPr/>
+      </p:nvGrpSpPr>
+      <p:grpSpPr>
+        <a:xfrm>
+          <a:off x="0" y="0"/>
+          <a:ext cx="0" cy="0"/>
+          <a:chOff x="0" y="0"/>
+          <a:chExt cx="0" cy="0"/>
+        </a:xfrm>
+      </p:grpSpPr>
+      <p:sp>
+        <p:nvSpPr>
+          <p:cNvPr id="2" name="Unvan 1"/>
+          <p:cNvSpPr>
+            <a:spLocks noGrp="1"/>
+          </p:cNvSpPr>
+          <p:nvPr>
+            <p:ph type="title"/>
+          </p:nvPr>
+        </p:nvSpPr>
+        <p:spPr/>
+        <p:txBody>
+          <a:bodyPr/>
+          <a:lstStyle/>
+          <a:p>
+            <a:r>
+              <a:rPr lang="tr-TR" dirty="0" smtClean="0">
+                <a:solidFill>
+                  <a:srgbClr val="FF0000"/>
+                </a:solidFill>
+              </a:rPr>
+              <a:t>CUDA</a:t>
+            </a:r>
+            <a:endParaRPr lang="en-US" dirty="0">
+              <a:solidFill>
+                <a:srgbClr val="FF0000"/>
+              </a:solidFill>
+            </a:endParaRPr>
+          </a:p>
+        </p:txBody>
+      </p:sp>
+      <p:graphicFrame>
+        <p:nvGraphicFramePr>
+          <p:cNvPr id="5" name="Grafik 4"/>
+          <p:cNvGraphicFramePr/>
+          <p:nvPr>
+            <p:extLst>
+              <p:ext uri="{D42A27DB-BD31-4B8C-83A1-F6EECF244321}">
+                <p14:modId xmlns:p14="http://schemas.microsoft.com/office/powerpoint/2010/main" val="3949773144"/>
+              </p:ext>
+            </p:extLst>
+          </p:nvPr>
+        </p:nvGraphicFramePr>
+        <p:xfrm>
+          <a:off x="2032000" y="1625600"/>
+          <a:ext cx="8128000" cy="4512733"/>
+        </p:xfrm>
+        <a:graphic>
+          <a:graphicData uri="http://schemas.openxmlformats.org/drawingml/2006/chart">
+            <c:chart xmlns:c="http://schemas.openxmlformats.org/drawingml/2006/chart" xmlns:r="http://schemas.openxmlformats.org/officeDocument/2006/relationships" r:id="rId2"/>
+          </a:graphicData>
+        </a:graphic>
+      </p:graphicFrame>
+      <p:sp>
+        <p:nvSpPr>
+          <p:cNvPr id="3" name="Metin kutusu 2"/>
+          <p:cNvSpPr txBox="1"/>
+          <p:nvPr/>
+        </p:nvSpPr>
+        <p:spPr>
+          <a:xfrm>
+            <a:off x="6280727" y="286328"/>
+            <a:ext cx="3463637" cy="1200329"/>
+          </a:xfrm>
+          <a:prstGeom prst="rect">
+            <a:avLst/>
+          </a:prstGeom>
+          <a:noFill/>
+        </p:spPr>
+        <p:txBody>
+          <a:bodyPr wrap="square" rtlCol="0">
+            <a:spAutoFit/>
+          </a:bodyPr>
+          <a:lstStyle/>
+          <a:p>
+            <a:r>
+              <a:rPr lang="tr-TR" dirty="0" smtClean="0"/>
+              <a:t>Block</a:t>
+            </a:r>
+            <a:r>
+              <a:rPr lang="tr-TR" dirty="0" smtClean="0"/>
+              <a:t> size:</a:t>
+            </a:r>
+          </a:p>
+          <a:p>
+            <a:pPr marL="285750" indent="-285750">
+              <a:buFont typeface="Arial" panose="020B0604020202020204" pitchFamily="34" charset="0"/>
+              <a:buChar char="•"/>
+            </a:pPr>
+            <a:r>
+              <a:rPr lang="en-US" dirty="0" smtClean="0"/>
+              <a:t>8x8 </a:t>
+            </a:r>
+            <a:r>
+              <a:rPr lang="en-US" dirty="0"/>
+              <a:t>(64 threads per block</a:t>
+            </a:r>
+            <a:r>
+              <a:rPr lang="en-US" dirty="0" smtClean="0"/>
+              <a:t>)</a:t>
+            </a:r>
+            <a:endParaRPr lang="tr-TR" dirty="0" smtClean="0"/>
+          </a:p>
+          <a:p>
+            <a:pPr marL="285750" indent="-285750">
+              <a:buFont typeface="Arial" panose="020B0604020202020204" pitchFamily="34" charset="0"/>
+              <a:buChar char="•"/>
+            </a:pPr>
+            <a:r>
+              <a:rPr lang="en-US" dirty="0" smtClean="0"/>
+              <a:t>16x16 </a:t>
+            </a:r>
+            <a:r>
+              <a:rPr lang="en-US" dirty="0"/>
+              <a:t>(256 threads per block</a:t>
+            </a:r>
+            <a:r>
+              <a:rPr lang="en-US" dirty="0" smtClean="0"/>
+              <a:t>)</a:t>
+            </a:r>
+            <a:endParaRPr lang="en-US" dirty="0"/>
+          </a:p>
+          <a:p>
+            <a:pPr marL="285750" indent="-285750">
+              <a:buFont typeface="Arial" panose="020B0604020202020204" pitchFamily="34" charset="0"/>
+              <a:buChar char="•"/>
+            </a:pPr>
+            <a:r>
+              <a:rPr lang="en-US" dirty="0"/>
+              <a:t>32x32 (1024 threads per block</a:t>
+            </a:r>
+            <a:r>
+              <a:rPr lang="en-US" dirty="0" smtClean="0"/>
+              <a:t>)</a:t>
+            </a:r>
+            <a:endParaRPr lang="en-US" dirty="0"/>
+          </a:p>
+        </p:txBody>
+      </p:sp>
+      <p:sp>
+        <p:nvSpPr>
+          <p:cNvPr id="4" name="Metin kutusu 3"/>
+          <p:cNvSpPr txBox="1"/>
+          <p:nvPr/>
+        </p:nvSpPr>
+        <p:spPr>
+          <a:xfrm>
+            <a:off x="3241963" y="6138333"/>
+            <a:ext cx="6077528" cy="646331"/>
+          </a:xfrm>
+          <a:prstGeom prst="rect">
+            <a:avLst/>
+          </a:prstGeom>
+          <a:noFill/>
+        </p:spPr>
+        <p:txBody>
+          <a:bodyPr wrap="square" rtlCol="0">
+            <a:spAutoFit/>
+          </a:bodyPr>
+          <a:lstStyle/>
+          <a:p>
+            <a:r>
+              <a:rPr lang="en-US" dirty="0"/>
+              <a:t>For optimal performance, you typically want to match the block size to the underlying hardware architecture’s warp size</a:t>
+            </a:r>
+          </a:p>
+        </p:txBody>
+      </p:sp>
+      <p:sp>
+        <p:nvSpPr>
+          <p:cNvPr id="6" name="Metin kutusu 5"/>
+          <p:cNvSpPr txBox="1"/>
+          <p:nvPr/>
+        </p:nvSpPr>
+        <p:spPr>
+          <a:xfrm>
+            <a:off x="2927926" y="3881966"/>
+            <a:ext cx="1708729" cy="369332"/>
+          </a:xfrm>
+          <a:prstGeom prst="rect">
+            <a:avLst/>
+          </a:prstGeom>
+          <a:noFill/>
+        </p:spPr>
+        <p:txBody>
+          <a:bodyPr wrap="square" rtlCol="0">
+            <a:spAutoFit/>
+          </a:bodyPr>
+          <a:lstStyle/>
+          <a:p>
+            <a:pPr algn="ctr"/>
+            <a:r>
+              <a:rPr lang="tr-TR" dirty="0" smtClean="0"/>
+              <a:t>116 </a:t>
+            </a:r>
+            <a:r>
+              <a:rPr lang="tr-TR" dirty="0" smtClean="0"/>
+              <a:t>times</a:t>
+            </a:r>
+            <a:r>
+              <a:rPr lang="tr-TR" dirty="0" smtClean="0"/>
+              <a:t> </a:t>
+            </a:r>
+            <a:r>
+              <a:rPr lang="tr-TR" dirty="0" smtClean="0"/>
+              <a:t>faster</a:t>
+            </a:r>
+            <a:endParaRPr lang="en-US" dirty="0"/>
+          </a:p>
+        </p:txBody>
+      </p:sp>
+    </p:spTree>
+    <p:extLst>
+      <p:ext uri="{BB962C8B-B14F-4D97-AF65-F5344CB8AC3E}">
+        <p14:creationId xmlns:p14="http://schemas.microsoft.com/office/powerpoint/2010/main" val="2768904373"/>
+      </p:ext>
+    </p:extLst>
+  </p:cSld>
+  <p:clrMapOvr>
+    <a:masterClrMapping/>
+  </p:clrMapOvr>
+</p:sld>
+</file>
+
+<file path=ppt/slides/slide9.xml><?xml version="1.0" encoding="utf-8"?>
+<p:sld xmlns:a="http://schemas.openxmlformats.org/drawingml/2006/main" xmlns:r="http://schemas.openxmlformats.org/officeDocument/2006/relationships" xmlns:p="http://schemas.openxmlformats.org/presentationml/2006/main">
+  <p:cSld>
+    <p:spTree>
+      <p:nvGrpSpPr>
+        <p:cNvPr id="1" name=""/>
+        <p:cNvGrpSpPr/>
+        <p:nvPr/>
+      </p:nvGrpSpPr>
+      <p:grpSpPr>
+        <a:xfrm>
+          <a:off x="0" y="0"/>
+          <a:ext cx="0" cy="0"/>
+          <a:chOff x="0" y="0"/>
+          <a:chExt cx="0" cy="0"/>
+        </a:xfrm>
+      </p:grpSpPr>
+      <p:pic>
+        <p:nvPicPr>
+          <p:cNvPr id="2" name="Resim 1"/>
+          <p:cNvPicPr>
+            <a:picLocks noChangeAspect="1"/>
+          </p:cNvPicPr>
+          <p:nvPr/>
+        </p:nvPicPr>
+        <p:blipFill>
+          <a:blip r:embed="rId2">
+            <a:extLst>
+              <a:ext uri="{28A0092B-C50C-407E-A947-70E740481C1C}">
+                <a14:useLocalDpi xmlns:a14="http://schemas.microsoft.com/office/drawing/2010/main" val="0"/>
+              </a:ext>
+            </a:extLst>
+          </a:blip>
+          <a:stretch>
+            <a:fillRect/>
+          </a:stretch>
+        </p:blipFill>
+        <p:spPr>
+          <a:xfrm>
+            <a:off x="688264" y="1701869"/>
+            <a:ext cx="3444854" cy="3435788"/>
+          </a:xfrm>
+          <a:prstGeom prst="rect">
+            <a:avLst/>
+          </a:prstGeom>
+        </p:spPr>
+      </p:pic>
+      <p:pic>
+        <p:nvPicPr>
+          <p:cNvPr id="3" name="Resim 2"/>
+          <p:cNvPicPr>
+            <a:picLocks noChangeAspect="1"/>
+          </p:cNvPicPr>
+          <p:nvPr/>
+        </p:nvPicPr>
+        <p:blipFill>
+          <a:blip r:embed="rId3">
+            <a:extLst>
+              <a:ext uri="{28A0092B-C50C-407E-A947-70E740481C1C}">
+                <a14:useLocalDpi xmlns:a14="http://schemas.microsoft.com/office/drawing/2010/main" val="0"/>
+              </a:ext>
+            </a:extLst>
+          </a:blip>
+          <a:stretch>
+            <a:fillRect/>
+          </a:stretch>
+        </p:blipFill>
+        <p:spPr>
+          <a:xfrm>
+            <a:off x="4368800" y="1701800"/>
+            <a:ext cx="3454400" cy="3454400"/>
+          </a:xfrm>
+          <a:prstGeom prst="rect">
+            <a:avLst/>
+          </a:prstGeom>
+        </p:spPr>
+      </p:pic>
+      <p:pic>
+        <p:nvPicPr>
+          <p:cNvPr id="5" name="Resim 4"/>
+          <p:cNvPicPr>
+            <a:picLocks noChangeAspect="1"/>
+          </p:cNvPicPr>
+          <p:nvPr/>
+        </p:nvPicPr>
+        <p:blipFill>
+          <a:blip r:embed="rId4">
+            <a:extLst>
+              <a:ext uri="{28A0092B-C50C-407E-A947-70E740481C1C}">
+                <a14:useLocalDpi xmlns:a14="http://schemas.microsoft.com/office/drawing/2010/main" val="0"/>
+              </a:ext>
+            </a:extLst>
+          </a:blip>
+          <a:stretch>
+            <a:fillRect/>
+          </a:stretch>
+        </p:blipFill>
+        <p:spPr>
+          <a:xfrm>
+            <a:off x="8058882" y="1683257"/>
+            <a:ext cx="3454400" cy="3454400"/>
+          </a:xfrm>
+          <a:prstGeom prst="rect">
+            <a:avLst/>
+          </a:prstGeom>
+        </p:spPr>
+      </p:pic>
+      <p:sp>
+        <p:nvSpPr>
+          <p:cNvPr id="6" name="Metin kutusu 5"/>
+          <p:cNvSpPr txBox="1"/>
+          <p:nvPr/>
+        </p:nvSpPr>
+        <p:spPr>
+          <a:xfrm>
+            <a:off x="1676400" y="5237018"/>
+            <a:ext cx="1468582" cy="369332"/>
+          </a:xfrm>
+          <a:prstGeom prst="rect">
+            <a:avLst/>
+          </a:prstGeom>
+          <a:noFill/>
+        </p:spPr>
+        <p:txBody>
+          <a:bodyPr wrap="square" rtlCol="0">
+            <a:spAutoFit/>
+          </a:bodyPr>
+          <a:lstStyle/>
+          <a:p>
+            <a:pPr algn="ctr"/>
+            <a:r>
+              <a:rPr lang="tr-TR" dirty="0" smtClean="0"/>
+              <a:t>Normal</a:t>
+            </a:r>
+            <a:endParaRPr lang="en-US" dirty="0"/>
+          </a:p>
+        </p:txBody>
+      </p:sp>
+      <p:sp>
+        <p:nvSpPr>
+          <p:cNvPr id="7" name="Metin kutusu 6"/>
+          <p:cNvSpPr txBox="1"/>
+          <p:nvPr/>
+        </p:nvSpPr>
+        <p:spPr>
+          <a:xfrm>
+            <a:off x="5361709" y="5237018"/>
+            <a:ext cx="1468582" cy="369332"/>
+          </a:xfrm>
+          <a:prstGeom prst="rect">
+            <a:avLst/>
+          </a:prstGeom>
+          <a:noFill/>
+        </p:spPr>
+        <p:txBody>
+          <a:bodyPr wrap="square" rtlCol="0">
+            <a:spAutoFit/>
+          </a:bodyPr>
+          <a:lstStyle/>
+          <a:p>
+            <a:pPr algn="ctr"/>
+            <a:r>
+              <a:rPr lang="tr-TR" dirty="0" smtClean="0"/>
+              <a:t>CUDA </a:t>
+            </a:r>
+            <a:r>
+              <a:rPr lang="tr-TR" dirty="0" smtClean="0"/>
+              <a:t>output</a:t>
+            </a:r>
+            <a:endParaRPr lang="en-US" dirty="0"/>
+          </a:p>
+        </p:txBody>
+      </p:sp>
+      <p:sp>
+        <p:nvSpPr>
+          <p:cNvPr id="8" name="Metin kutusu 7"/>
+          <p:cNvSpPr txBox="1"/>
+          <p:nvPr/>
+        </p:nvSpPr>
+        <p:spPr>
+          <a:xfrm>
+            <a:off x="9047018" y="5237018"/>
+            <a:ext cx="1468582" cy="369332"/>
+          </a:xfrm>
+          <a:prstGeom prst="rect">
+            <a:avLst/>
+          </a:prstGeom>
+          <a:noFill/>
+        </p:spPr>
+        <p:txBody>
+          <a:bodyPr wrap="square" rtlCol="0">
+            <a:spAutoFit/>
+          </a:bodyPr>
+          <a:lstStyle/>
+          <a:p>
+            <a:pPr algn="ctr"/>
+            <a:r>
+              <a:rPr lang="tr-TR" dirty="0" smtClean="0"/>
+              <a:t>Serial</a:t>
+            </a:r>
+            <a:r>
+              <a:rPr lang="tr-TR" dirty="0" smtClean="0"/>
+              <a:t> </a:t>
+            </a:r>
+            <a:r>
+              <a:rPr lang="tr-TR" dirty="0" smtClean="0"/>
+              <a:t>output</a:t>
+            </a:r>
+            <a:endParaRPr lang="en-US" dirty="0"/>
+          </a:p>
+        </p:txBody>
+      </p:sp>
+    </p:spTree>
+    <p:extLst>
+      <p:ext uri="{BB962C8B-B14F-4D97-AF65-F5344CB8AC3E}">
+        <p14:creationId xmlns:p14="http://schemas.microsoft.com/office/powerpoint/2010/main" val="3777883169"/>
+      </p:ext>
+    </p:extLst>
+  </p:cSld>
+  <p:clrMapOvr>
+    <a:masterClrMapping/>
+  </p:clrMapOvr>
 </p:sld>
 </file>
 
